--- a/Documentation/הסבת גבולות תתג בשטח לא מוסדר.pptx
+++ b/Documentation/הסבת גבולות תתג בשטח לא מוסדר.pptx
@@ -203,7 +203,7 @@
           <a:p>
             <a:fld id="{0567D346-E0A4-480D-8576-CDC0E4C76307}" type="datetimeFigureOut">
               <a:rPr lang="he-IL" smtClean="0"/>
-              <a:t>י"ח/כסלו/תשפ"ג</a:t>
+              <a:t>ט"ז/שבט/תשפ"ג</a:t>
             </a:fld>
             <a:endParaRPr lang="he-IL"/>
           </a:p>
@@ -744,7 +744,7 @@
           <a:p>
             <a:fld id="{40DF87CD-148B-4E7A-85EE-645F5406764B}" type="datetimeFigureOut">
               <a:rPr lang="he-IL" smtClean="0"/>
-              <a:t>י"ח/כסלו/תשפ"ג</a:t>
+              <a:t>ט"ז/שבט/תשפ"ג</a:t>
             </a:fld>
             <a:endParaRPr lang="he-IL"/>
           </a:p>
@@ -915,7 +915,7 @@
           <a:p>
             <a:fld id="{40DF87CD-148B-4E7A-85EE-645F5406764B}" type="datetimeFigureOut">
               <a:rPr lang="he-IL" smtClean="0"/>
-              <a:t>י"ח/כסלו/תשפ"ג</a:t>
+              <a:t>ט"ז/שבט/תשפ"ג</a:t>
             </a:fld>
             <a:endParaRPr lang="he-IL"/>
           </a:p>
@@ -1096,7 +1096,7 @@
           <a:p>
             <a:fld id="{40DF87CD-148B-4E7A-85EE-645F5406764B}" type="datetimeFigureOut">
               <a:rPr lang="he-IL" smtClean="0"/>
-              <a:t>י"ח/כסלו/תשפ"ג</a:t>
+              <a:t>ט"ז/שבט/תשפ"ג</a:t>
             </a:fld>
             <a:endParaRPr lang="he-IL"/>
           </a:p>
@@ -1267,7 +1267,7 @@
           <a:p>
             <a:fld id="{40DF87CD-148B-4E7A-85EE-645F5406764B}" type="datetimeFigureOut">
               <a:rPr lang="he-IL" smtClean="0"/>
-              <a:t>י"ח/כסלו/תשפ"ג</a:t>
+              <a:t>ט"ז/שבט/תשפ"ג</a:t>
             </a:fld>
             <a:endParaRPr lang="he-IL"/>
           </a:p>
@@ -1514,7 +1514,7 @@
           <a:p>
             <a:fld id="{40DF87CD-148B-4E7A-85EE-645F5406764B}" type="datetimeFigureOut">
               <a:rPr lang="he-IL" smtClean="0"/>
-              <a:t>י"ח/כסלו/תשפ"ג</a:t>
+              <a:t>ט"ז/שבט/תשפ"ג</a:t>
             </a:fld>
             <a:endParaRPr lang="he-IL"/>
           </a:p>
@@ -1747,7 +1747,7 @@
           <a:p>
             <a:fld id="{40DF87CD-148B-4E7A-85EE-645F5406764B}" type="datetimeFigureOut">
               <a:rPr lang="he-IL" smtClean="0"/>
-              <a:t>י"ח/כסלו/תשפ"ג</a:t>
+              <a:t>ט"ז/שבט/תשפ"ג</a:t>
             </a:fld>
             <a:endParaRPr lang="he-IL"/>
           </a:p>
@@ -2115,7 +2115,7 @@
           <a:p>
             <a:fld id="{40DF87CD-148B-4E7A-85EE-645F5406764B}" type="datetimeFigureOut">
               <a:rPr lang="he-IL" smtClean="0"/>
-              <a:t>י"ח/כסלו/תשפ"ג</a:t>
+              <a:t>ט"ז/שבט/תשפ"ג</a:t>
             </a:fld>
             <a:endParaRPr lang="he-IL"/>
           </a:p>
@@ -2234,7 +2234,7 @@
           <a:p>
             <a:fld id="{40DF87CD-148B-4E7A-85EE-645F5406764B}" type="datetimeFigureOut">
               <a:rPr lang="he-IL" smtClean="0"/>
-              <a:t>י"ח/כסלו/תשפ"ג</a:t>
+              <a:t>ט"ז/שבט/תשפ"ג</a:t>
             </a:fld>
             <a:endParaRPr lang="he-IL"/>
           </a:p>
@@ -2330,7 +2330,7 @@
           <a:p>
             <a:fld id="{40DF87CD-148B-4E7A-85EE-645F5406764B}" type="datetimeFigureOut">
               <a:rPr lang="he-IL" smtClean="0"/>
-              <a:t>י"ח/כסלו/תשפ"ג</a:t>
+              <a:t>ט"ז/שבט/תשפ"ג</a:t>
             </a:fld>
             <a:endParaRPr lang="he-IL"/>
           </a:p>
@@ -2608,7 +2608,7 @@
           <a:p>
             <a:fld id="{40DF87CD-148B-4E7A-85EE-645F5406764B}" type="datetimeFigureOut">
               <a:rPr lang="he-IL" smtClean="0"/>
-              <a:t>י"ח/כסלו/תשפ"ג</a:t>
+              <a:t>ט"ז/שבט/תשפ"ג</a:t>
             </a:fld>
             <a:endParaRPr lang="he-IL"/>
           </a:p>
@@ -2866,7 +2866,7 @@
           <a:p>
             <a:fld id="{40DF87CD-148B-4E7A-85EE-645F5406764B}" type="datetimeFigureOut">
               <a:rPr lang="he-IL" smtClean="0"/>
-              <a:t>י"ח/כסלו/תשפ"ג</a:t>
+              <a:t>ט"ז/שבט/תשפ"ג</a:t>
             </a:fld>
             <a:endParaRPr lang="he-IL"/>
           </a:p>
@@ -3080,7 +3080,7 @@
           <a:p>
             <a:fld id="{40DF87CD-148B-4E7A-85EE-645F5406764B}" type="datetimeFigureOut">
               <a:rPr lang="he-IL" smtClean="0"/>
-              <a:t>י"ח/כסלו/תשפ"ג</a:t>
+              <a:t>ט"ז/שבט/תשפ"ג</a:t>
             </a:fld>
             <a:endParaRPr lang="he-IL"/>
           </a:p>
@@ -3696,15 +3696,17 @@
                 <a:latin typeface="Calibri" panose="020F0502020204030204" pitchFamily="34" charset="0"/>
                 <a:cs typeface="Calibri" panose="020F0502020204030204" pitchFamily="34" charset="0"/>
               </a:rPr>
-              <a:t>מבנה טבלת </a:t>
+              <a:t>מבנה שכבת גבולות תהליכים </a:t>
             </a:r>
             <a:r>
-              <a:rPr lang="he-IL" sz="3600" dirty="0">
+              <a:rPr lang="he-IL" sz="3600" dirty="0" err="1">
                 <a:solidFill>
                   <a:srgbClr val="002060"/>
                 </a:solidFill>
+                <a:latin typeface="Calibri" panose="020F0502020204030204" pitchFamily="34" charset="0"/>
+                <a:cs typeface="Calibri" panose="020F0502020204030204" pitchFamily="34" charset="0"/>
               </a:rPr>
-              <a:t>נקודות גבול חלקות בתהליך </a:t>
+              <a:t>בסכימה</a:t>
             </a:r>
             <a:r>
               <a:rPr lang="he-IL" sz="3600" dirty="0">
@@ -3714,7 +3716,7 @@
                 <a:latin typeface="Calibri" panose="020F0502020204030204" pitchFamily="34" charset="0"/>
                 <a:cs typeface="Calibri" panose="020F0502020204030204" pitchFamily="34" charset="0"/>
               </a:rPr>
-              <a:t>בסכמה החדשה</a:t>
+              <a:t> חדשה</a:t>
             </a:r>
           </a:p>
         </p:txBody>
@@ -10886,7 +10888,7 @@
           <p:nvPr>
             <p:extLst>
               <p:ext uri="{D42A27DB-BD31-4B8C-83A1-F6EECF244321}">
-                <p14:modId xmlns:p14="http://schemas.microsoft.com/office/powerpoint/2010/main" val="3484971783"/>
+                <p14:modId xmlns:p14="http://schemas.microsoft.com/office/powerpoint/2010/main" val="2814272228"/>
               </p:ext>
             </p:extLst>
           </p:nvPr>
@@ -11062,7 +11064,29 @@
                           <a:latin typeface="Segoe UI" panose="020B0502040204020203" pitchFamily="34" charset="0"/>
                           <a:cs typeface="Segoe UI" panose="020B0502040204020203" pitchFamily="34" charset="0"/>
                         </a:rPr>
-                        <a:t> רץ, החל מ-1 . הוספת 11,000,000 לזיהוי של תהליך.</a:t>
+                        <a:t> רץ, החל מ-1 . </a:t>
+                      </a:r>
+                      <a:r>
+                        <a:rPr lang="he-IL" sz="1600" b="0" i="0" u="none" strike="noStrike" baseline="0">
+                          <a:solidFill>
+                            <a:srgbClr val="000000"/>
+                          </a:solidFill>
+                          <a:effectLst/>
+                          <a:latin typeface="Segoe UI" panose="020B0502040204020203" pitchFamily="34" charset="0"/>
+                          <a:cs typeface="Segoe UI" panose="020B0502040204020203" pitchFamily="34" charset="0"/>
+                        </a:rPr>
+                        <a:t>הוספת 15,000,000 </a:t>
+                      </a:r>
+                      <a:r>
+                        <a:rPr lang="he-IL" sz="1600" b="0" i="0" u="none" strike="noStrike" baseline="0" dirty="0">
+                          <a:solidFill>
+                            <a:srgbClr val="000000"/>
+                          </a:solidFill>
+                          <a:effectLst/>
+                          <a:latin typeface="Segoe UI" panose="020B0502040204020203" pitchFamily="34" charset="0"/>
+                          <a:cs typeface="Segoe UI" panose="020B0502040204020203" pitchFamily="34" charset="0"/>
+                        </a:rPr>
+                        <a:t>לזיהוי של תהליך.</a:t>
                       </a:r>
                       <a:endParaRPr lang="en-US" sz="1600" b="0" i="0" u="none" strike="noStrike" dirty="0">
                         <a:solidFill>
